--- a/Presentations/2_AffectUs_Nodered_intro.pptx
+++ b/Presentations/2_AffectUs_Nodered_intro.pptx
@@ -5,7 +5,7 @@
     <p:sldMasterId id="2147483660" r:id="rId1"/>
   </p:sldMasterIdLst>
   <p:notesMasterIdLst>
-    <p:notesMasterId r:id="rId18"/>
+    <p:notesMasterId r:id="rId19"/>
   </p:notesMasterIdLst>
   <p:sldIdLst>
     <p:sldId id="271" r:id="rId2"/>
@@ -18,12 +18,13 @@
     <p:sldId id="326" r:id="rId9"/>
     <p:sldId id="327" r:id="rId10"/>
     <p:sldId id="328" r:id="rId11"/>
-    <p:sldId id="341" r:id="rId12"/>
-    <p:sldId id="304" r:id="rId13"/>
-    <p:sldId id="305" r:id="rId14"/>
-    <p:sldId id="303" r:id="rId15"/>
-    <p:sldId id="321" r:id="rId16"/>
-    <p:sldId id="278" r:id="rId17"/>
+    <p:sldId id="342" r:id="rId12"/>
+    <p:sldId id="341" r:id="rId13"/>
+    <p:sldId id="304" r:id="rId14"/>
+    <p:sldId id="305" r:id="rId15"/>
+    <p:sldId id="303" r:id="rId16"/>
+    <p:sldId id="321" r:id="rId17"/>
+    <p:sldId id="278" r:id="rId18"/>
   </p:sldIdLst>
   <p:sldSz cx="9144000" cy="6858000" type="screen4x3"/>
   <p:notesSz cx="6858000" cy="9144000"/>
@@ -1076,7 +1077,7 @@
           <a:p>
             <a:fld id="{440DD9BA-0A38-486C-9353-812EFBE45B3C}" type="slidenum">
               <a:rPr lang="en-US" smtClean="0"/>
-              <a:t>13</a:t>
+              <a:t>14</a:t>
             </a:fld>
             <a:endParaRPr lang="en-US"/>
           </a:p>
@@ -1160,7 +1161,7 @@
           <a:p>
             <a:fld id="{440DD9BA-0A38-486C-9353-812EFBE45B3C}" type="slidenum">
               <a:rPr lang="en-US" smtClean="0"/>
-              <a:t>14</a:t>
+              <a:t>15</a:t>
             </a:fld>
             <a:endParaRPr lang="en-US"/>
           </a:p>
@@ -1244,7 +1245,7 @@
           <a:p>
             <a:fld id="{0CD22A58-4300-4B50-BE38-9F5D79831FAC}" type="slidenum">
               <a:rPr lang="en-US" smtClean="0"/>
-              <a:t>16</a:t>
+              <a:t>17</a:t>
             </a:fld>
             <a:endParaRPr lang="en-US"/>
           </a:p>
@@ -5456,6 +5457,173 @@
         </p:nvSpPr>
         <p:spPr/>
         <p:txBody>
+          <a:bodyPr/>
+          <a:lstStyle/>
+          <a:p>
+            <a:r>
+              <a:rPr lang="el-GR" dirty="0" smtClean="0"/>
+              <a:t>Προσοχή!</a:t>
+            </a:r>
+            <a:endParaRPr lang="en-US" dirty="0"/>
+          </a:p>
+        </p:txBody>
+      </p:sp>
+      <p:sp>
+        <p:nvSpPr>
+          <p:cNvPr id="3" name="Content Placeholder 2"/>
+          <p:cNvSpPr>
+            <a:spLocks noGrp="1"/>
+          </p:cNvSpPr>
+          <p:nvPr>
+            <p:ph idx="1"/>
+          </p:nvPr>
+        </p:nvSpPr>
+        <p:spPr/>
+        <p:txBody>
+          <a:bodyPr>
+            <a:normAutofit fontScale="92500" lnSpcReduction="10000"/>
+          </a:bodyPr>
+          <a:lstStyle/>
+          <a:p>
+            <a:r>
+              <a:rPr lang="el-GR" dirty="0" smtClean="0"/>
+              <a:t>Κατά την εισαγωγή μιας ροής μπορεί να σας βγάλει μήνυμα ότι έχει η συγκεκριμένη ροή ένα κόμβο που δεν μπορεί να τον αναγνωρίσει το </a:t>
+            </a:r>
+            <a:r>
+              <a:rPr lang="en-US" dirty="0" smtClean="0"/>
+              <a:t>Node-RED</a:t>
+            </a:r>
+            <a:endParaRPr lang="el-GR" dirty="0" smtClean="0"/>
+          </a:p>
+          <a:p>
+            <a:endParaRPr lang="el-GR" dirty="0" smtClean="0"/>
+          </a:p>
+          <a:p>
+            <a:r>
+              <a:rPr lang="el-GR" dirty="0" smtClean="0"/>
+              <a:t>Αν το αγνοήσετε και πατήσετε </a:t>
+            </a:r>
+            <a:r>
+              <a:rPr lang="en-US" dirty="0" smtClean="0"/>
+              <a:t>Deploy, </a:t>
+            </a:r>
+            <a:r>
+              <a:rPr lang="el-GR" dirty="0" smtClean="0"/>
+              <a:t>θα σταματήσει ο </a:t>
+            </a:r>
+            <a:r>
+              <a:rPr lang="en-US" dirty="0" smtClean="0"/>
+              <a:t>Node-RED server </a:t>
+            </a:r>
+            <a:r>
+              <a:rPr lang="el-GR" dirty="0" smtClean="0"/>
+              <a:t>και δεν θα μπορεί να γίνει </a:t>
+            </a:r>
+            <a:r>
+              <a:rPr lang="en-US" dirty="0" smtClean="0"/>
+              <a:t>start </a:t>
+            </a:r>
+            <a:r>
+              <a:rPr lang="el-GR" dirty="0" smtClean="0"/>
+              <a:t>μέχρι να σβήσετε το επίμαχο κομμάτι από το </a:t>
+            </a:r>
+            <a:r>
+              <a:rPr lang="en-US" dirty="0" err="1" smtClean="0"/>
+              <a:t>flows.json</a:t>
+            </a:r>
+            <a:r>
+              <a:rPr lang="en-US" dirty="0" smtClean="0"/>
+              <a:t> file </a:t>
+            </a:r>
+            <a:r>
+              <a:rPr lang="el-GR" dirty="0" smtClean="0"/>
+              <a:t>του περιβάλλοντος!</a:t>
+            </a:r>
+          </a:p>
+          <a:p>
+            <a:endParaRPr lang="el-GR" dirty="0"/>
+          </a:p>
+          <a:p>
+            <a:r>
+              <a:rPr lang="el-GR" dirty="0" smtClean="0"/>
+              <a:t>Για αυτό πρέπει να σβήσετε τη ροή από το </a:t>
+            </a:r>
+            <a:r>
+              <a:rPr lang="en-US" dirty="0" smtClean="0"/>
+              <a:t>workspace, </a:t>
+            </a:r>
+            <a:r>
+              <a:rPr lang="el-GR" dirty="0" smtClean="0"/>
+              <a:t>κάνετε </a:t>
+            </a:r>
+            <a:r>
+              <a:rPr lang="en-US" dirty="0" smtClean="0"/>
+              <a:t>install </a:t>
+            </a:r>
+            <a:r>
+              <a:rPr lang="el-GR" dirty="0" smtClean="0"/>
+              <a:t>τον </a:t>
+            </a:r>
+            <a:r>
+              <a:rPr lang="en-US" dirty="0" smtClean="0"/>
+              <a:t>Node-RED node </a:t>
+            </a:r>
+            <a:r>
+              <a:rPr lang="el-GR" dirty="0" smtClean="0"/>
+              <a:t>που λείπει και την αντιγράφετε μετά </a:t>
+            </a:r>
+            <a:endParaRPr lang="en-US" dirty="0" smtClean="0"/>
+          </a:p>
+          <a:p>
+            <a:endParaRPr lang="en-US" dirty="0"/>
+          </a:p>
+          <a:p>
+            <a:endParaRPr lang="en-US" dirty="0"/>
+          </a:p>
+        </p:txBody>
+      </p:sp>
+    </p:spTree>
+    <p:extLst>
+      <p:ext uri="{BB962C8B-B14F-4D97-AF65-F5344CB8AC3E}">
+        <p14:creationId xmlns:p14="http://schemas.microsoft.com/office/powerpoint/2010/main" val="1716404135"/>
+      </p:ext>
+    </p:extLst>
+  </p:cSld>
+  <p:clrMapOvr>
+    <a:masterClrMapping/>
+  </p:clrMapOvr>
+</p:sld>
+</file>
+
+<file path=ppt/slides/slide12.xml><?xml version="1.0" encoding="utf-8"?>
+<p:sld xmlns:a="http://schemas.openxmlformats.org/drawingml/2006/main" xmlns:r="http://schemas.openxmlformats.org/officeDocument/2006/relationships" xmlns:p="http://schemas.openxmlformats.org/presentationml/2006/main">
+  <p:cSld>
+    <p:spTree>
+      <p:nvGrpSpPr>
+        <p:cNvPr id="1" name=""/>
+        <p:cNvGrpSpPr/>
+        <p:nvPr/>
+      </p:nvGrpSpPr>
+      <p:grpSpPr>
+        <a:xfrm>
+          <a:off x="0" y="0"/>
+          <a:ext cx="0" cy="0"/>
+          <a:chOff x="0" y="0"/>
+          <a:chExt cx="0" cy="0"/>
+        </a:xfrm>
+      </p:grpSpPr>
+      <p:sp>
+        <p:nvSpPr>
+          <p:cNvPr id="2" name="Title 1"/>
+          <p:cNvSpPr>
+            <a:spLocks noGrp="1"/>
+          </p:cNvSpPr>
+          <p:nvPr>
+            <p:ph type="title"/>
+          </p:nvPr>
+        </p:nvSpPr>
+        <p:spPr/>
+        <p:txBody>
           <a:bodyPr>
             <a:normAutofit fontScale="90000"/>
           </a:bodyPr>
@@ -5715,7 +5883,7 @@
 </p:sld>
 </file>
 
-<file path=ppt/slides/slide12.xml><?xml version="1.0" encoding="utf-8"?>
+<file path=ppt/slides/slide13.xml><?xml version="1.0" encoding="utf-8"?>
 <p:sld xmlns:a="http://schemas.openxmlformats.org/drawingml/2006/main" xmlns:r="http://schemas.openxmlformats.org/officeDocument/2006/relationships" xmlns:p="http://schemas.openxmlformats.org/presentationml/2006/main">
   <p:cSld>
     <p:spTree>
@@ -5885,7 +6053,7 @@
 </p:sld>
 </file>
 
-<file path=ppt/slides/slide13.xml><?xml version="1.0" encoding="utf-8"?>
+<file path=ppt/slides/slide14.xml><?xml version="1.0" encoding="utf-8"?>
 <p:sld xmlns:a="http://schemas.openxmlformats.org/drawingml/2006/main" xmlns:r="http://schemas.openxmlformats.org/officeDocument/2006/relationships" xmlns:p="http://schemas.openxmlformats.org/presentationml/2006/main">
   <p:cSld>
     <p:spTree>
@@ -6011,11 +6179,7 @@
             </a:r>
             <a:r>
               <a:rPr lang="en-US" dirty="0" smtClean="0"/>
-              <a:t>home/user</a:t>
-            </a:r>
-            <a:r>
-              <a:rPr lang="en-US" dirty="0" smtClean="0"/>
-              <a:t>/</a:t>
+              <a:t>home/user/</a:t>
             </a:r>
           </a:p>
           <a:p>
@@ -6249,7 +6413,7 @@
 </p:sld>
 </file>
 
-<file path=ppt/slides/slide14.xml><?xml version="1.0" encoding="utf-8"?>
+<file path=ppt/slides/slide15.xml><?xml version="1.0" encoding="utf-8"?>
 <p:sld xmlns:a="http://schemas.openxmlformats.org/drawingml/2006/main" xmlns:r="http://schemas.openxmlformats.org/officeDocument/2006/relationships" xmlns:p="http://schemas.openxmlformats.org/presentationml/2006/main">
   <p:cSld>
     <p:spTree>
@@ -6842,7 +7006,7 @@
 </p:sld>
 </file>
 
-<file path=ppt/slides/slide15.xml><?xml version="1.0" encoding="utf-8"?>
+<file path=ppt/slides/slide16.xml><?xml version="1.0" encoding="utf-8"?>
 <p:sld xmlns:a="http://schemas.openxmlformats.org/drawingml/2006/main" xmlns:r="http://schemas.openxmlformats.org/officeDocument/2006/relationships" xmlns:p="http://schemas.openxmlformats.org/presentationml/2006/main">
   <p:cSld>
     <p:spTree>
@@ -7126,7 +7290,7 @@
 </p:sld>
 </file>
 
-<file path=ppt/slides/slide16.xml><?xml version="1.0" encoding="utf-8"?>
+<file path=ppt/slides/slide17.xml><?xml version="1.0" encoding="utf-8"?>
 <p:sld xmlns:a="http://schemas.openxmlformats.org/drawingml/2006/main" xmlns:r="http://schemas.openxmlformats.org/officeDocument/2006/relationships" xmlns:p="http://schemas.openxmlformats.org/presentationml/2006/main">
   <p:cSld>
     <p:spTree>
@@ -7164,7 +7328,6 @@
               <a:rPr lang="en-US" dirty="0"/>
               <a:t>Dashboard node-red node extension</a:t>
             </a:r>
-            <a:endParaRPr lang="en-US" dirty="0"/>
           </a:p>
         </p:txBody>
       </p:sp>
@@ -8881,11 +9044,7 @@
           <a:p>
             <a:r>
               <a:rPr lang="el-GR" dirty="0" smtClean="0"/>
-              <a:t>Χρειάζεται </a:t>
-            </a:r>
-            <a:r>
-              <a:rPr lang="el-GR" dirty="0" smtClean="0"/>
-              <a:t>μια λογική διασύνδεσης, υλοποίησης και έκφρασης της ακολουθίας πράξεων</a:t>
+              <a:t>Χρειάζεται μια λογική διασύνδεσης, υλοποίησης και έκφρασης της ακολουθίας πράξεων</a:t>
             </a:r>
           </a:p>
           <a:p>
@@ -9492,7 +9651,6 @@
               <a:rPr lang="en-US" sz="2000" dirty="0" smtClean="0"/>
               <a:t>connection/endpoint</a:t>
             </a:r>
-            <a:endParaRPr lang="en-US" sz="2000" dirty="0" smtClean="0"/>
           </a:p>
           <a:p>
             <a:r>
@@ -9509,11 +9667,7 @@
             </a:r>
             <a:r>
               <a:rPr lang="en-US" sz="2000" dirty="0" smtClean="0"/>
-              <a:t>inject </a:t>
-            </a:r>
-            <a:r>
-              <a:rPr lang="en-US" sz="2000" dirty="0" smtClean="0"/>
-              <a:t>node</a:t>
+              <a:t>inject node</a:t>
             </a:r>
           </a:p>
           <a:p>
@@ -9540,11 +9694,7 @@
           <a:p>
             <a:r>
               <a:rPr lang="el-GR" sz="2000" dirty="0" smtClean="0"/>
-              <a:t>Αποτέλεσμα </a:t>
-            </a:r>
-            <a:r>
-              <a:rPr lang="el-GR" sz="2000" dirty="0" smtClean="0"/>
-              <a:t>στο </a:t>
+              <a:t>Αποτέλεσμα στο </a:t>
             </a:r>
             <a:r>
               <a:rPr lang="en-US" sz="2000" dirty="0" smtClean="0"/>
